--- a/presentation.pptx
+++ b/presentation.pptx
@@ -8,13 +8,8 @@
     <p:sldId id="256" r:id="rId2"/>
     <p:sldId id="258" r:id="rId3"/>
     <p:sldId id="257" r:id="rId4"/>
-    <p:sldId id="259" r:id="rId5"/>
-    <p:sldId id="264" r:id="rId6"/>
-    <p:sldId id="260" r:id="rId7"/>
-    <p:sldId id="261" r:id="rId8"/>
-    <p:sldId id="262" r:id="rId9"/>
-    <p:sldId id="263" r:id="rId10"/>
-    <p:sldId id="265" r:id="rId11"/>
+    <p:sldId id="264" r:id="rId5"/>
+    <p:sldId id="266" r:id="rId6"/>
   </p:sldIdLst>
   <p:sldSz cx="9144000" cy="6858000" type="screen4x3"/>
   <p:notesSz cx="6858000" cy="9144000"/>
@@ -3144,11 +3139,81 @@
             <p:ph type="subTitle" idx="1"/>
           </p:nvPr>
         </p:nvSpPr>
-        <p:spPr/>
-        <p:txBody>
-          <a:bodyPr/>
-          <a:lstStyle/>
-          <a:p>
+        <p:spPr>
+          <a:xfrm>
+            <a:off x="0" y="3886776"/>
+            <a:ext cx="9102586" cy="1752600"/>
+          </a:xfrm>
+        </p:spPr>
+        <p:txBody>
+          <a:bodyPr/>
+          <a:lstStyle/>
+          <a:p>
+            <a:r>
+              <a:rPr lang="en-US" dirty="0" err="1" smtClean="0"/>
+              <a:t>Lyntalekveld</a:t>
+            </a:r>
+            <a:r>
+              <a:rPr lang="en-US" dirty="0" smtClean="0"/>
+              <a:t>: </a:t>
+            </a:r>
+            <a:r>
+              <a:rPr lang="en-US" dirty="0" err="1" smtClean="0"/>
+              <a:t>DevOps</a:t>
+            </a:r>
+            <a:r>
+              <a:rPr lang="en-US" dirty="0" smtClean="0"/>
+              <a:t> </a:t>
+            </a:r>
+            <a:r>
+              <a:rPr lang="en-US" dirty="0" err="1" smtClean="0"/>
+              <a:t>og</a:t>
+            </a:r>
+            <a:r>
+              <a:rPr lang="en-US" dirty="0" smtClean="0"/>
+              <a:t> </a:t>
+            </a:r>
+            <a:r>
+              <a:rPr lang="en-US" dirty="0" err="1" smtClean="0"/>
+              <a:t>Distribuert</a:t>
+            </a:r>
+            <a:r>
+              <a:rPr lang="en-US" dirty="0" smtClean="0"/>
+              <a:t> </a:t>
+            </a:r>
+            <a:r>
+              <a:rPr lang="en-US" dirty="0" err="1" smtClean="0"/>
+              <a:t>Arkitektur</a:t>
+            </a:r>
+            <a:endParaRPr lang="en-US" dirty="0" smtClean="0"/>
+          </a:p>
+          <a:p>
+            <a:r>
+              <a:rPr lang="en-US" dirty="0" smtClean="0"/>
+              <a:t>Magnus </a:t>
+            </a:r>
+            <a:r>
+              <a:rPr lang="en-US" dirty="0" err="1" smtClean="0"/>
+              <a:t>Haug</a:t>
+            </a:r>
+            <a:r>
+              <a:rPr lang="en-US" dirty="0" smtClean="0"/>
+              <a:t> </a:t>
+            </a:r>
+            <a:r>
+              <a:rPr lang="en-US" dirty="0" err="1" smtClean="0"/>
+              <a:t>og</a:t>
+            </a:r>
+            <a:r>
+              <a:rPr lang="en-US" dirty="0" smtClean="0"/>
+              <a:t> Sveinung Dalatun</a:t>
+            </a:r>
+          </a:p>
+          <a:p>
+            <a:r>
+              <a:rPr lang="en-US" dirty="0" smtClean="0"/>
+              <a:t>17.03.15</a:t>
+            </a:r>
             <a:endParaRPr lang="en-US" dirty="0"/>
           </a:p>
         </p:txBody>
@@ -3157,73 +3222,6 @@
     <p:extLst>
       <p:ext uri="{BB962C8B-B14F-4D97-AF65-F5344CB8AC3E}">
         <p14:creationId xmlns:p14="http://schemas.microsoft.com/office/powerpoint/2010/main" val="3477163668"/>
-      </p:ext>
-    </p:extLst>
-  </p:cSld>
-  <p:clrMapOvr>
-    <a:masterClrMapping/>
-  </p:clrMapOvr>
-</p:sld>
-</file>
-
-<file path=ppt/slides/slide10.xml><?xml version="1.0" encoding="utf-8"?>
-<p:sld xmlns:a="http://schemas.openxmlformats.org/drawingml/2006/main" xmlns:r="http://schemas.openxmlformats.org/officeDocument/2006/relationships" xmlns:p="http://schemas.openxmlformats.org/presentationml/2006/main">
-  <p:cSld>
-    <p:spTree>
-      <p:nvGrpSpPr>
-        <p:cNvPr id="1" name=""/>
-        <p:cNvGrpSpPr/>
-        <p:nvPr/>
-      </p:nvGrpSpPr>
-      <p:grpSpPr>
-        <a:xfrm>
-          <a:off x="0" y="0"/>
-          <a:ext cx="0" cy="0"/>
-          <a:chOff x="0" y="0"/>
-          <a:chExt cx="0" cy="0"/>
-        </a:xfrm>
-      </p:grpSpPr>
-      <p:sp>
-        <p:nvSpPr>
-          <p:cNvPr id="4" name="TextBox 3"/>
-          <p:cNvSpPr txBox="1"/>
-          <p:nvPr/>
-        </p:nvSpPr>
-        <p:spPr>
-          <a:xfrm>
-            <a:off x="565802" y="2904786"/>
-            <a:ext cx="8037577" cy="1077218"/>
-          </a:xfrm>
-          <a:prstGeom prst="rect">
-            <a:avLst/>
-          </a:prstGeom>
-          <a:noFill/>
-        </p:spPr>
-        <p:txBody>
-          <a:bodyPr wrap="none" rtlCol="0">
-            <a:spAutoFit/>
-          </a:bodyPr>
-          <a:lstStyle/>
-          <a:p>
-            <a:r>
-              <a:rPr lang="en-US" sz="3200" dirty="0" smtClean="0"/>
-              <a:t>Plans are worthless, but planning is everything.</a:t>
-            </a:r>
-          </a:p>
-          <a:p>
-            <a:pPr algn="just"/>
-            <a:r>
-              <a:rPr lang="en-US" sz="3200" dirty="0" smtClean="0"/>
-              <a:t>                                   - Dwight D. Eisenhower</a:t>
-            </a:r>
-            <a:endParaRPr lang="en-US" sz="3200" dirty="0"/>
-          </a:p>
-        </p:txBody>
-      </p:sp>
-    </p:spTree>
-    <p:extLst>
-      <p:ext uri="{BB962C8B-B14F-4D97-AF65-F5344CB8AC3E}">
-        <p14:creationId xmlns:p14="http://schemas.microsoft.com/office/powerpoint/2010/main" val="1936106289"/>
       </p:ext>
     </p:extLst>
   </p:cSld>
@@ -3307,6 +3305,12 @@
             <a:r>
               <a:rPr lang="en-US" dirty="0" smtClean="0"/>
               <a:t>teams</a:t>
+            </a:r>
+          </a:p>
+          <a:p>
+            <a:r>
+              <a:rPr lang="en-US" dirty="0" smtClean="0"/>
+              <a:t>Efficient independent development</a:t>
             </a:r>
             <a:endParaRPr lang="en-US" dirty="0"/>
           </a:p>
@@ -3486,7 +3490,7 @@
           <a:p>
             <a:r>
               <a:rPr lang="en-US" dirty="0" smtClean="0"/>
-              <a:t>The Model</a:t>
+              <a:t>How to use it</a:t>
             </a:r>
             <a:endParaRPr lang="en-US" dirty="0"/>
           </a:p>
@@ -3509,31 +3513,25 @@
           <a:p>
             <a:r>
               <a:rPr lang="en-US" dirty="0" smtClean="0"/>
-              <a:t>&lt;the model or a link to the model</a:t>
-            </a:r>
+              <a:t>As inspiration</a:t>
+            </a:r>
+          </a:p>
+          <a:p>
             <a:r>
               <a:rPr lang="en-US" dirty="0" smtClean="0"/>
-              <a:t>&gt;</a:t>
-            </a:r>
-          </a:p>
-          <a:p>
-            <a:r>
-              <a:rPr lang="en-US" dirty="0">
-                <a:hlinkClick r:id="rId2"/>
-              </a:rPr>
-              <a:t>http://</a:t>
-            </a:r>
-            <a:r>
-              <a:rPr lang="en-US" dirty="0" err="1">
-                <a:hlinkClick r:id="rId2"/>
-              </a:rPr>
-              <a:t>magnhaug.github.io</a:t>
-            </a:r>
-            <a:r>
-              <a:rPr lang="en-US" dirty="0">
-                <a:hlinkClick r:id="rId2"/>
-              </a:rPr>
-              <a:t>/maturity-model/</a:t>
+              <a:t>As discussion material</a:t>
+            </a:r>
+          </a:p>
+          <a:p>
+            <a:r>
+              <a:rPr lang="en-US" dirty="0" smtClean="0"/>
+              <a:t>As a sanity check for your project</a:t>
+            </a:r>
+          </a:p>
+          <a:p>
+            <a:r>
+              <a:rPr lang="en-US" dirty="0" smtClean="0"/>
+              <a:t>Make hidden costs visible</a:t>
             </a:r>
             <a:endParaRPr lang="en-US" dirty="0"/>
           </a:p>
@@ -3542,7 +3540,7 @@
     </p:spTree>
     <p:extLst>
       <p:ext uri="{BB962C8B-B14F-4D97-AF65-F5344CB8AC3E}">
-        <p14:creationId xmlns:p14="http://schemas.microsoft.com/office/powerpoint/2010/main" val="2811117913"/>
+        <p14:creationId xmlns:p14="http://schemas.microsoft.com/office/powerpoint/2010/main" val="1377678816"/>
       </p:ext>
     </p:extLst>
   </p:cSld>
@@ -3571,342 +3569,42 @@
       </p:grpSpPr>
       <p:sp>
         <p:nvSpPr>
-          <p:cNvPr id="2" name="Title 1"/>
-          <p:cNvSpPr>
-            <a:spLocks noGrp="1"/>
-          </p:cNvSpPr>
-          <p:nvPr>
-            <p:ph type="title"/>
-          </p:nvPr>
-        </p:nvSpPr>
-        <p:spPr/>
-        <p:txBody>
-          <a:bodyPr/>
-          <a:lstStyle/>
-          <a:p>
-            <a:r>
-              <a:rPr lang="en-US" dirty="0" smtClean="0"/>
-              <a:t>How to use it</a:t>
-            </a:r>
-            <a:endParaRPr lang="en-US" dirty="0"/>
-          </a:p>
-        </p:txBody>
-      </p:sp>
-      <p:sp>
-        <p:nvSpPr>
-          <p:cNvPr id="3" name="Content Placeholder 2"/>
-          <p:cNvSpPr>
-            <a:spLocks noGrp="1"/>
-          </p:cNvSpPr>
-          <p:nvPr>
-            <p:ph idx="1"/>
-          </p:nvPr>
-        </p:nvSpPr>
-        <p:spPr/>
-        <p:txBody>
-          <a:bodyPr/>
-          <a:lstStyle/>
-          <a:p>
-            <a:r>
-              <a:rPr lang="en-US" dirty="0" smtClean="0"/>
-              <a:t>&lt;or just say it on the previous slide?&gt;</a:t>
-            </a:r>
-            <a:endParaRPr lang="en-US" dirty="0"/>
+          <p:cNvPr id="4" name="TextBox 3"/>
+          <p:cNvSpPr txBox="1"/>
+          <p:nvPr/>
+        </p:nvSpPr>
+        <p:spPr>
+          <a:xfrm>
+            <a:off x="3243935" y="2800845"/>
+            <a:ext cx="2679652" cy="861774"/>
+          </a:xfrm>
+          <a:prstGeom prst="rect">
+            <a:avLst/>
+          </a:prstGeom>
+          <a:noFill/>
+        </p:spPr>
+        <p:txBody>
+          <a:bodyPr wrap="none" rtlCol="0">
+            <a:spAutoFit/>
+          </a:bodyPr>
+          <a:lstStyle/>
+          <a:p>
+            <a:r>
+              <a:rPr lang="en-US" sz="5000" dirty="0" smtClean="0"/>
+              <a:t>Demo-</a:t>
+            </a:r>
+            <a:r>
+              <a:rPr lang="en-US" sz="5000" dirty="0" err="1" smtClean="0"/>
+              <a:t>ish</a:t>
+            </a:r>
+            <a:endParaRPr lang="en-US" sz="5000" dirty="0"/>
           </a:p>
         </p:txBody>
       </p:sp>
     </p:spTree>
     <p:extLst>
       <p:ext uri="{BB962C8B-B14F-4D97-AF65-F5344CB8AC3E}">
-        <p14:creationId xmlns:p14="http://schemas.microsoft.com/office/powerpoint/2010/main" val="1377678816"/>
-      </p:ext>
-    </p:extLst>
-  </p:cSld>
-  <p:clrMapOvr>
-    <a:masterClrMapping/>
-  </p:clrMapOvr>
-</p:sld>
-</file>
-
-<file path=ppt/slides/slide6.xml><?xml version="1.0" encoding="utf-8"?>
-<p:sld xmlns:a="http://schemas.openxmlformats.org/drawingml/2006/main" xmlns:r="http://schemas.openxmlformats.org/officeDocument/2006/relationships" xmlns:p="http://schemas.openxmlformats.org/presentationml/2006/main">
-  <p:cSld>
-    <p:spTree>
-      <p:nvGrpSpPr>
-        <p:cNvPr id="1" name=""/>
-        <p:cNvGrpSpPr/>
-        <p:nvPr/>
-      </p:nvGrpSpPr>
-      <p:grpSpPr>
-        <a:xfrm>
-          <a:off x="0" y="0"/>
-          <a:ext cx="0" cy="0"/>
-          <a:chOff x="0" y="0"/>
-          <a:chExt cx="0" cy="0"/>
-        </a:xfrm>
-      </p:grpSpPr>
-      <p:sp>
-        <p:nvSpPr>
-          <p:cNvPr id="2" name="Title 1"/>
-          <p:cNvSpPr>
-            <a:spLocks noGrp="1"/>
-          </p:cNvSpPr>
-          <p:nvPr>
-            <p:ph type="title"/>
-          </p:nvPr>
-        </p:nvSpPr>
-        <p:spPr/>
-        <p:txBody>
-          <a:bodyPr/>
-          <a:lstStyle/>
-          <a:p>
-            <a:r>
-              <a:rPr lang="en-US" dirty="0" err="1" smtClean="0"/>
-              <a:t>DevOps</a:t>
-            </a:r>
-            <a:endParaRPr lang="en-US" dirty="0"/>
-          </a:p>
-        </p:txBody>
-      </p:sp>
-      <p:sp>
-        <p:nvSpPr>
-          <p:cNvPr id="3" name="Content Placeholder 2"/>
-          <p:cNvSpPr>
-            <a:spLocks noGrp="1"/>
-          </p:cNvSpPr>
-          <p:nvPr>
-            <p:ph idx="1"/>
-          </p:nvPr>
-        </p:nvSpPr>
-        <p:spPr/>
-        <p:txBody>
-          <a:bodyPr/>
-          <a:lstStyle/>
-          <a:p>
-            <a:endParaRPr lang="en-US"/>
-          </a:p>
-        </p:txBody>
-      </p:sp>
-    </p:spTree>
-    <p:extLst>
-      <p:ext uri="{BB962C8B-B14F-4D97-AF65-F5344CB8AC3E}">
-        <p14:creationId xmlns:p14="http://schemas.microsoft.com/office/powerpoint/2010/main" val="1932559455"/>
-      </p:ext>
-    </p:extLst>
-  </p:cSld>
-  <p:clrMapOvr>
-    <a:masterClrMapping/>
-  </p:clrMapOvr>
-</p:sld>
-</file>
-
-<file path=ppt/slides/slide7.xml><?xml version="1.0" encoding="utf-8"?>
-<p:sld xmlns:a="http://schemas.openxmlformats.org/drawingml/2006/main" xmlns:r="http://schemas.openxmlformats.org/officeDocument/2006/relationships" xmlns:p="http://schemas.openxmlformats.org/presentationml/2006/main">
-  <p:cSld>
-    <p:spTree>
-      <p:nvGrpSpPr>
-        <p:cNvPr id="1" name=""/>
-        <p:cNvGrpSpPr/>
-        <p:nvPr/>
-      </p:nvGrpSpPr>
-      <p:grpSpPr>
-        <a:xfrm>
-          <a:off x="0" y="0"/>
-          <a:ext cx="0" cy="0"/>
-          <a:chOff x="0" y="0"/>
-          <a:chExt cx="0" cy="0"/>
-        </a:xfrm>
-      </p:grpSpPr>
-      <p:sp>
-        <p:nvSpPr>
-          <p:cNvPr id="2" name="Title 1"/>
-          <p:cNvSpPr>
-            <a:spLocks noGrp="1"/>
-          </p:cNvSpPr>
-          <p:nvPr>
-            <p:ph type="title"/>
-          </p:nvPr>
-        </p:nvSpPr>
-        <p:spPr/>
-        <p:txBody>
-          <a:bodyPr/>
-          <a:lstStyle/>
-          <a:p>
-            <a:r>
-              <a:rPr lang="en-US" dirty="0" smtClean="0"/>
-              <a:t>Organization</a:t>
-            </a:r>
-            <a:endParaRPr lang="en-US" dirty="0"/>
-          </a:p>
-        </p:txBody>
-      </p:sp>
-      <p:sp>
-        <p:nvSpPr>
-          <p:cNvPr id="3" name="Content Placeholder 2"/>
-          <p:cNvSpPr>
-            <a:spLocks noGrp="1"/>
-          </p:cNvSpPr>
-          <p:nvPr>
-            <p:ph idx="1"/>
-          </p:nvPr>
-        </p:nvSpPr>
-        <p:spPr/>
-        <p:txBody>
-          <a:bodyPr/>
-          <a:lstStyle/>
-          <a:p>
-            <a:endParaRPr lang="en-US"/>
-          </a:p>
-        </p:txBody>
-      </p:sp>
-    </p:spTree>
-    <p:extLst>
-      <p:ext uri="{BB962C8B-B14F-4D97-AF65-F5344CB8AC3E}">
-        <p14:creationId xmlns:p14="http://schemas.microsoft.com/office/powerpoint/2010/main" val="1538359209"/>
-      </p:ext>
-    </p:extLst>
-  </p:cSld>
-  <p:clrMapOvr>
-    <a:masterClrMapping/>
-  </p:clrMapOvr>
-</p:sld>
-</file>
-
-<file path=ppt/slides/slide8.xml><?xml version="1.0" encoding="utf-8"?>
-<p:sld xmlns:a="http://schemas.openxmlformats.org/drawingml/2006/main" xmlns:r="http://schemas.openxmlformats.org/officeDocument/2006/relationships" xmlns:p="http://schemas.openxmlformats.org/presentationml/2006/main">
-  <p:cSld>
-    <p:spTree>
-      <p:nvGrpSpPr>
-        <p:cNvPr id="1" name=""/>
-        <p:cNvGrpSpPr/>
-        <p:nvPr/>
-      </p:nvGrpSpPr>
-      <p:grpSpPr>
-        <a:xfrm>
-          <a:off x="0" y="0"/>
-          <a:ext cx="0" cy="0"/>
-          <a:chOff x="0" y="0"/>
-          <a:chExt cx="0" cy="0"/>
-        </a:xfrm>
-      </p:grpSpPr>
-      <p:sp>
-        <p:nvSpPr>
-          <p:cNvPr id="2" name="Title 1"/>
-          <p:cNvSpPr>
-            <a:spLocks noGrp="1"/>
-          </p:cNvSpPr>
-          <p:nvPr>
-            <p:ph type="title"/>
-          </p:nvPr>
-        </p:nvSpPr>
-        <p:spPr/>
-        <p:txBody>
-          <a:bodyPr/>
-          <a:lstStyle/>
-          <a:p>
-            <a:r>
-              <a:rPr lang="en-US" dirty="0" smtClean="0"/>
-              <a:t>Process</a:t>
-            </a:r>
-            <a:endParaRPr lang="en-US" dirty="0"/>
-          </a:p>
-        </p:txBody>
-      </p:sp>
-      <p:sp>
-        <p:nvSpPr>
-          <p:cNvPr id="3" name="Content Placeholder 2"/>
-          <p:cNvSpPr>
-            <a:spLocks noGrp="1"/>
-          </p:cNvSpPr>
-          <p:nvPr>
-            <p:ph idx="1"/>
-          </p:nvPr>
-        </p:nvSpPr>
-        <p:spPr/>
-        <p:txBody>
-          <a:bodyPr/>
-          <a:lstStyle/>
-          <a:p>
-            <a:endParaRPr lang="en-US"/>
-          </a:p>
-        </p:txBody>
-      </p:sp>
-    </p:spTree>
-    <p:extLst>
-      <p:ext uri="{BB962C8B-B14F-4D97-AF65-F5344CB8AC3E}">
-        <p14:creationId xmlns:p14="http://schemas.microsoft.com/office/powerpoint/2010/main" val="4288461664"/>
-      </p:ext>
-    </p:extLst>
-  </p:cSld>
-  <p:clrMapOvr>
-    <a:masterClrMapping/>
-  </p:clrMapOvr>
-</p:sld>
-</file>
-
-<file path=ppt/slides/slide9.xml><?xml version="1.0" encoding="utf-8"?>
-<p:sld xmlns:a="http://schemas.openxmlformats.org/drawingml/2006/main" xmlns:r="http://schemas.openxmlformats.org/officeDocument/2006/relationships" xmlns:p="http://schemas.openxmlformats.org/presentationml/2006/main">
-  <p:cSld>
-    <p:spTree>
-      <p:nvGrpSpPr>
-        <p:cNvPr id="1" name=""/>
-        <p:cNvGrpSpPr/>
-        <p:nvPr/>
-      </p:nvGrpSpPr>
-      <p:grpSpPr>
-        <a:xfrm>
-          <a:off x="0" y="0"/>
-          <a:ext cx="0" cy="0"/>
-          <a:chOff x="0" y="0"/>
-          <a:chExt cx="0" cy="0"/>
-        </a:xfrm>
-      </p:grpSpPr>
-      <p:sp>
-        <p:nvSpPr>
-          <p:cNvPr id="2" name="Title 1"/>
-          <p:cNvSpPr>
-            <a:spLocks noGrp="1"/>
-          </p:cNvSpPr>
-          <p:nvPr>
-            <p:ph type="title"/>
-          </p:nvPr>
-        </p:nvSpPr>
-        <p:spPr/>
-        <p:txBody>
-          <a:bodyPr/>
-          <a:lstStyle/>
-          <a:p>
-            <a:r>
-              <a:rPr lang="en-US" dirty="0" smtClean="0"/>
-              <a:t>Architecture</a:t>
-            </a:r>
-            <a:endParaRPr lang="en-US" dirty="0"/>
-          </a:p>
-        </p:txBody>
-      </p:sp>
-      <p:sp>
-        <p:nvSpPr>
-          <p:cNvPr id="3" name="Content Placeholder 2"/>
-          <p:cNvSpPr>
-            <a:spLocks noGrp="1"/>
-          </p:cNvSpPr>
-          <p:nvPr>
-            <p:ph idx="1"/>
-          </p:nvPr>
-        </p:nvSpPr>
-        <p:spPr/>
-        <p:txBody>
-          <a:bodyPr/>
-          <a:lstStyle/>
-          <a:p>
-            <a:endParaRPr lang="en-US"/>
-          </a:p>
-        </p:txBody>
-      </p:sp>
-    </p:spTree>
-    <p:extLst>
-      <p:ext uri="{BB962C8B-B14F-4D97-AF65-F5344CB8AC3E}">
-        <p14:creationId xmlns:p14="http://schemas.microsoft.com/office/powerpoint/2010/main" val="1911074665"/>
+        <p14:creationId xmlns:p14="http://schemas.microsoft.com/office/powerpoint/2010/main" val="1105678019"/>
       </p:ext>
     </p:extLst>
   </p:cSld>

--- a/presentation.pptx
+++ b/presentation.pptx
@@ -8,8 +8,9 @@
     <p:sldId id="256" r:id="rId2"/>
     <p:sldId id="258" r:id="rId3"/>
     <p:sldId id="257" r:id="rId4"/>
-    <p:sldId id="264" r:id="rId5"/>
-    <p:sldId id="266" r:id="rId6"/>
+    <p:sldId id="267" r:id="rId5"/>
+    <p:sldId id="264" r:id="rId6"/>
+    <p:sldId id="266" r:id="rId7"/>
   </p:sldIdLst>
   <p:sldSz cx="9144000" cy="6858000" type="screen4x3"/>
   <p:notesSz cx="6858000" cy="9144000"/>
@@ -3228,6 +3229,13 @@
   <p:clrMapOvr>
     <a:masterClrMapping/>
   </p:clrMapOvr>
+  <p:timing>
+    <p:tnLst>
+      <p:par>
+        <p:cTn xmlns:p14="http://schemas.microsoft.com/office/powerpoint/2010/main" id="1" dur="indefinite" restart="never" nodeType="tmRoot"/>
+      </p:par>
+    </p:tnLst>
+  </p:timing>
 </p:sld>
 </file>
 
@@ -3332,6 +3340,13 @@
   <p:clrMapOvr>
     <a:masterClrMapping/>
   </p:clrMapOvr>
+  <p:timing>
+    <p:tnLst>
+      <p:par>
+        <p:cTn xmlns:p14="http://schemas.microsoft.com/office/powerpoint/2010/main" id="1" dur="indefinite" restart="never" nodeType="tmRoot"/>
+      </p:par>
+    </p:tnLst>
+  </p:timing>
 </p:sld>
 </file>
 
@@ -3369,7 +3384,7 @@
           <a:p>
             <a:r>
               <a:rPr lang="en-US" dirty="0" smtClean="0"/>
-              <a:t>Why a Maturity Model?</a:t>
+              <a:t>What could possibly go wrong?</a:t>
             </a:r>
             <a:endParaRPr lang="en-US" dirty="0"/>
           </a:p>
@@ -3387,51 +3402,50 @@
         </p:nvSpPr>
         <p:spPr/>
         <p:txBody>
-          <a:bodyPr/>
-          <a:lstStyle/>
-          <a:p>
+          <a:bodyPr>
+            <a:normAutofit lnSpcReduction="10000"/>
+          </a:bodyPr>
+          <a:lstStyle/>
+          <a:p>
+            <a:pPr marL="0" indent="0">
+              <a:buNone/>
+            </a:pPr>
             <a:r>
               <a:rPr lang="en-US" dirty="0" smtClean="0"/>
               <a:t>Migrating to a distributed architecture will affect:</a:t>
             </a:r>
           </a:p>
           <a:p>
-            <a:pPr lvl="1"/>
             <a:r>
               <a:rPr lang="en-US" dirty="0" smtClean="0"/>
               <a:t>Governance</a:t>
             </a:r>
           </a:p>
           <a:p>
-            <a:pPr lvl="1"/>
             <a:r>
               <a:rPr lang="en-US" dirty="0" smtClean="0"/>
               <a:t>The organization</a:t>
             </a:r>
           </a:p>
           <a:p>
-            <a:pPr lvl="1"/>
             <a:r>
               <a:rPr lang="en-US" dirty="0" smtClean="0"/>
               <a:t>Deploy</a:t>
             </a:r>
           </a:p>
           <a:p>
-            <a:pPr lvl="1"/>
             <a:r>
               <a:rPr lang="en-US" dirty="0" smtClean="0"/>
               <a:t>Testing</a:t>
             </a:r>
           </a:p>
           <a:p>
-            <a:pPr lvl="1"/>
             <a:r>
               <a:rPr lang="en-US" dirty="0" smtClean="0"/>
               <a:t>Integration</a:t>
             </a:r>
           </a:p>
           <a:p>
-            <a:pPr lvl="1"/>
             <a:r>
               <a:rPr lang="en-US" dirty="0" smtClean="0"/>
               <a:t>Reuse</a:t>
@@ -3453,6 +3467,13 @@
   <p:clrMapOvr>
     <a:masterClrMapping/>
   </p:clrMapOvr>
+  <p:timing>
+    <p:tnLst>
+      <p:par>
+        <p:cTn xmlns:p14="http://schemas.microsoft.com/office/powerpoint/2010/main" id="1" dur="indefinite" restart="never" nodeType="tmRoot"/>
+      </p:par>
+    </p:tnLst>
+  </p:timing>
 </p:sld>
 </file>
 
@@ -3490,7 +3511,7 @@
           <a:p>
             <a:r>
               <a:rPr lang="en-US" dirty="0" smtClean="0"/>
-              <a:t>How to use it</a:t>
+              <a:t>The Maturity Model</a:t>
             </a:r>
             <a:endParaRPr lang="en-US" dirty="0"/>
           </a:p>
@@ -3513,25 +3534,42 @@
           <a:p>
             <a:r>
               <a:rPr lang="en-US" dirty="0" smtClean="0"/>
-              <a:t>As inspiration</a:t>
-            </a:r>
-          </a:p>
-          <a:p>
+              <a:t>Categories:</a:t>
+            </a:r>
+          </a:p>
+          <a:p>
+            <a:pPr lvl="1"/>
+            <a:r>
+              <a:rPr lang="en-US" dirty="0" err="1" smtClean="0"/>
+              <a:t>Devops</a:t>
+            </a:r>
+            <a:endParaRPr lang="en-US" dirty="0" smtClean="0"/>
+          </a:p>
+          <a:p>
+            <a:pPr lvl="1"/>
             <a:r>
               <a:rPr lang="en-US" dirty="0" smtClean="0"/>
-              <a:t>As discussion material</a:t>
-            </a:r>
-          </a:p>
-          <a:p>
+              <a:t>Organization</a:t>
+            </a:r>
+          </a:p>
+          <a:p>
+            <a:pPr lvl="1"/>
             <a:r>
               <a:rPr lang="en-US" dirty="0" smtClean="0"/>
-              <a:t>As a sanity check for your project</a:t>
-            </a:r>
-          </a:p>
-          <a:p>
+              <a:t>Process</a:t>
+            </a:r>
+          </a:p>
+          <a:p>
+            <a:pPr lvl="1"/>
             <a:r>
               <a:rPr lang="en-US" dirty="0" smtClean="0"/>
-              <a:t>Make hidden costs visible</a:t>
+              <a:t>Architecture</a:t>
+            </a:r>
+          </a:p>
+          <a:p>
+            <a:r>
+              <a:rPr lang="en-US" dirty="0" smtClean="0"/>
+              <a:t>Big Challenges/Baseline/Intermediate/Advanced</a:t>
             </a:r>
             <a:endParaRPr lang="en-US" dirty="0"/>
           </a:p>
@@ -3540,13 +3578,20 @@
     </p:spTree>
     <p:extLst>
       <p:ext uri="{BB962C8B-B14F-4D97-AF65-F5344CB8AC3E}">
-        <p14:creationId xmlns:p14="http://schemas.microsoft.com/office/powerpoint/2010/main" val="1377678816"/>
+        <p14:creationId xmlns:p14="http://schemas.microsoft.com/office/powerpoint/2010/main" val="2116362693"/>
       </p:ext>
     </p:extLst>
   </p:cSld>
   <p:clrMapOvr>
     <a:masterClrMapping/>
   </p:clrMapOvr>
+  <p:timing>
+    <p:tnLst>
+      <p:par>
+        <p:cTn xmlns:p14="http://schemas.microsoft.com/office/powerpoint/2010/main" id="1" dur="indefinite" restart="never" nodeType="tmRoot"/>
+      </p:par>
+    </p:tnLst>
+  </p:timing>
 </p:sld>
 </file>
 
@@ -3569,6 +3614,111 @@
       </p:grpSpPr>
       <p:sp>
         <p:nvSpPr>
+          <p:cNvPr id="2" name="Title 1"/>
+          <p:cNvSpPr>
+            <a:spLocks noGrp="1"/>
+          </p:cNvSpPr>
+          <p:nvPr>
+            <p:ph type="title"/>
+          </p:nvPr>
+        </p:nvSpPr>
+        <p:spPr/>
+        <p:txBody>
+          <a:bodyPr/>
+          <a:lstStyle/>
+          <a:p>
+            <a:r>
+              <a:rPr lang="en-US" dirty="0" smtClean="0"/>
+              <a:t>How to use it</a:t>
+            </a:r>
+            <a:endParaRPr lang="en-US" dirty="0"/>
+          </a:p>
+        </p:txBody>
+      </p:sp>
+      <p:sp>
+        <p:nvSpPr>
+          <p:cNvPr id="3" name="Content Placeholder 2"/>
+          <p:cNvSpPr>
+            <a:spLocks noGrp="1"/>
+          </p:cNvSpPr>
+          <p:nvPr>
+            <p:ph idx="1"/>
+          </p:nvPr>
+        </p:nvSpPr>
+        <p:spPr/>
+        <p:txBody>
+          <a:bodyPr/>
+          <a:lstStyle/>
+          <a:p>
+            <a:r>
+              <a:rPr lang="en-US" dirty="0" smtClean="0"/>
+              <a:t>As inspiration</a:t>
+            </a:r>
+          </a:p>
+          <a:p>
+            <a:r>
+              <a:rPr lang="en-US" dirty="0" smtClean="0"/>
+              <a:t>As discussion material</a:t>
+            </a:r>
+          </a:p>
+          <a:p>
+            <a:r>
+              <a:rPr lang="en-US" dirty="0" smtClean="0"/>
+              <a:t>As a sanity check for your </a:t>
+            </a:r>
+            <a:r>
+              <a:rPr lang="en-US" dirty="0" smtClean="0"/>
+              <a:t>project</a:t>
+            </a:r>
+          </a:p>
+          <a:p>
+            <a:r>
+              <a:rPr lang="en-US" dirty="0" smtClean="0"/>
+              <a:t>Make hidden costs visible</a:t>
+            </a:r>
+            <a:endParaRPr lang="en-US" dirty="0"/>
+          </a:p>
+        </p:txBody>
+      </p:sp>
+    </p:spTree>
+    <p:extLst>
+      <p:ext uri="{BB962C8B-B14F-4D97-AF65-F5344CB8AC3E}">
+        <p14:creationId xmlns:p14="http://schemas.microsoft.com/office/powerpoint/2010/main" val="1377678816"/>
+      </p:ext>
+    </p:extLst>
+  </p:cSld>
+  <p:clrMapOvr>
+    <a:masterClrMapping/>
+  </p:clrMapOvr>
+  <p:timing>
+    <p:tnLst>
+      <p:par>
+        <p:cTn xmlns:p14="http://schemas.microsoft.com/office/powerpoint/2010/main" id="1" dur="indefinite" restart="never" nodeType="tmRoot"/>
+      </p:par>
+    </p:tnLst>
+  </p:timing>
+</p:sld>
+</file>
+
+<file path=ppt/slides/slide6.xml><?xml version="1.0" encoding="utf-8"?>
+<p:sld xmlns:a="http://schemas.openxmlformats.org/drawingml/2006/main" xmlns:r="http://schemas.openxmlformats.org/officeDocument/2006/relationships" xmlns:p="http://schemas.openxmlformats.org/presentationml/2006/main">
+  <p:cSld>
+    <p:spTree>
+      <p:nvGrpSpPr>
+        <p:cNvPr id="1" name=""/>
+        <p:cNvGrpSpPr/>
+        <p:nvPr/>
+      </p:nvGrpSpPr>
+      <p:grpSpPr>
+        <a:xfrm>
+          <a:off x="0" y="0"/>
+          <a:ext cx="0" cy="0"/>
+          <a:chOff x="0" y="0"/>
+          <a:chExt cx="0" cy="0"/>
+        </a:xfrm>
+      </p:grpSpPr>
+      <p:sp>
+        <p:nvSpPr>
           <p:cNvPr id="4" name="TextBox 3"/>
           <p:cNvSpPr txBox="1"/>
           <p:nvPr/>
@@ -3611,6 +3761,13 @@
   <p:clrMapOvr>
     <a:masterClrMapping/>
   </p:clrMapOvr>
+  <p:timing>
+    <p:tnLst>
+      <p:par>
+        <p:cTn xmlns:p14="http://schemas.microsoft.com/office/powerpoint/2010/main" id="1" dur="indefinite" restart="never" nodeType="tmRoot"/>
+      </p:par>
+    </p:tnLst>
+  </p:timing>
 </p:sld>
 </file>
 

--- a/presentation.pptx
+++ b/presentation.pptx
@@ -9,8 +9,7 @@
     <p:sldId id="258" r:id="rId3"/>
     <p:sldId id="257" r:id="rId4"/>
     <p:sldId id="267" r:id="rId5"/>
-    <p:sldId id="264" r:id="rId6"/>
-    <p:sldId id="266" r:id="rId7"/>
+    <p:sldId id="266" r:id="rId6"/>
   </p:sldIdLst>
   <p:sldSz cx="9144000" cy="6858000" type="screen4x3"/>
   <p:notesSz cx="6858000" cy="9144000"/>
@@ -293,7 +292,7 @@
           <a:p>
             <a:fld id="{819C19BB-D1FF-914E-BA70-94F422993E64}" type="datetimeFigureOut">
               <a:rPr lang="en-US" smtClean="0"/>
-              <a:t>16/03/15</a:t>
+              <a:t>17/03/15</a:t>
             </a:fld>
             <a:endParaRPr lang="en-US"/>
           </a:p>
@@ -463,7 +462,7 @@
           <a:p>
             <a:fld id="{819C19BB-D1FF-914E-BA70-94F422993E64}" type="datetimeFigureOut">
               <a:rPr lang="en-US" smtClean="0"/>
-              <a:t>16/03/15</a:t>
+              <a:t>17/03/15</a:t>
             </a:fld>
             <a:endParaRPr lang="en-US"/>
           </a:p>
@@ -643,7 +642,7 @@
           <a:p>
             <a:fld id="{819C19BB-D1FF-914E-BA70-94F422993E64}" type="datetimeFigureOut">
               <a:rPr lang="en-US" smtClean="0"/>
-              <a:t>16/03/15</a:t>
+              <a:t>17/03/15</a:t>
             </a:fld>
             <a:endParaRPr lang="en-US"/>
           </a:p>
@@ -813,7 +812,7 @@
           <a:p>
             <a:fld id="{819C19BB-D1FF-914E-BA70-94F422993E64}" type="datetimeFigureOut">
               <a:rPr lang="en-US" smtClean="0"/>
-              <a:t>16/03/15</a:t>
+              <a:t>17/03/15</a:t>
             </a:fld>
             <a:endParaRPr lang="en-US"/>
           </a:p>
@@ -1059,7 +1058,7 @@
           <a:p>
             <a:fld id="{819C19BB-D1FF-914E-BA70-94F422993E64}" type="datetimeFigureOut">
               <a:rPr lang="en-US" smtClean="0"/>
-              <a:t>16/03/15</a:t>
+              <a:t>17/03/15</a:t>
             </a:fld>
             <a:endParaRPr lang="en-US"/>
           </a:p>
@@ -1347,7 +1346,7 @@
           <a:p>
             <a:fld id="{819C19BB-D1FF-914E-BA70-94F422993E64}" type="datetimeFigureOut">
               <a:rPr lang="en-US" smtClean="0"/>
-              <a:t>16/03/15</a:t>
+              <a:t>17/03/15</a:t>
             </a:fld>
             <a:endParaRPr lang="en-US"/>
           </a:p>
@@ -1769,7 +1768,7 @@
           <a:p>
             <a:fld id="{819C19BB-D1FF-914E-BA70-94F422993E64}" type="datetimeFigureOut">
               <a:rPr lang="en-US" smtClean="0"/>
-              <a:t>16/03/15</a:t>
+              <a:t>17/03/15</a:t>
             </a:fld>
             <a:endParaRPr lang="en-US"/>
           </a:p>
@@ -1887,7 +1886,7 @@
           <a:p>
             <a:fld id="{819C19BB-D1FF-914E-BA70-94F422993E64}" type="datetimeFigureOut">
               <a:rPr lang="en-US" smtClean="0"/>
-              <a:t>16/03/15</a:t>
+              <a:t>17/03/15</a:t>
             </a:fld>
             <a:endParaRPr lang="en-US"/>
           </a:p>
@@ -1982,7 +1981,7 @@
           <a:p>
             <a:fld id="{819C19BB-D1FF-914E-BA70-94F422993E64}" type="datetimeFigureOut">
               <a:rPr lang="en-US" smtClean="0"/>
-              <a:t>16/03/15</a:t>
+              <a:t>17/03/15</a:t>
             </a:fld>
             <a:endParaRPr lang="en-US"/>
           </a:p>
@@ -2259,7 +2258,7 @@
           <a:p>
             <a:fld id="{819C19BB-D1FF-914E-BA70-94F422993E64}" type="datetimeFigureOut">
               <a:rPr lang="en-US" smtClean="0"/>
-              <a:t>16/03/15</a:t>
+              <a:t>17/03/15</a:t>
             </a:fld>
             <a:endParaRPr lang="en-US"/>
           </a:p>
@@ -2512,7 +2511,7 @@
           <a:p>
             <a:fld id="{819C19BB-D1FF-914E-BA70-94F422993E64}" type="datetimeFigureOut">
               <a:rPr lang="en-US" smtClean="0"/>
-              <a:t>16/03/15</a:t>
+              <a:t>17/03/15</a:t>
             </a:fld>
             <a:endParaRPr lang="en-US"/>
           </a:p>
@@ -2725,7 +2724,7 @@
           <a:p>
             <a:fld id="{819C19BB-D1FF-914E-BA70-94F422993E64}" type="datetimeFigureOut">
               <a:rPr lang="en-US" smtClean="0"/>
-              <a:t>16/03/15</a:t>
+              <a:t>17/03/15</a:t>
             </a:fld>
             <a:endParaRPr lang="en-US"/>
           </a:p>
@@ -3596,111 +3595,6 @@
 </file>
 
 <file path=ppt/slides/slide5.xml><?xml version="1.0" encoding="utf-8"?>
-<p:sld xmlns:a="http://schemas.openxmlformats.org/drawingml/2006/main" xmlns:r="http://schemas.openxmlformats.org/officeDocument/2006/relationships" xmlns:p="http://schemas.openxmlformats.org/presentationml/2006/main">
-  <p:cSld>
-    <p:spTree>
-      <p:nvGrpSpPr>
-        <p:cNvPr id="1" name=""/>
-        <p:cNvGrpSpPr/>
-        <p:nvPr/>
-      </p:nvGrpSpPr>
-      <p:grpSpPr>
-        <a:xfrm>
-          <a:off x="0" y="0"/>
-          <a:ext cx="0" cy="0"/>
-          <a:chOff x="0" y="0"/>
-          <a:chExt cx="0" cy="0"/>
-        </a:xfrm>
-      </p:grpSpPr>
-      <p:sp>
-        <p:nvSpPr>
-          <p:cNvPr id="2" name="Title 1"/>
-          <p:cNvSpPr>
-            <a:spLocks noGrp="1"/>
-          </p:cNvSpPr>
-          <p:nvPr>
-            <p:ph type="title"/>
-          </p:nvPr>
-        </p:nvSpPr>
-        <p:spPr/>
-        <p:txBody>
-          <a:bodyPr/>
-          <a:lstStyle/>
-          <a:p>
-            <a:r>
-              <a:rPr lang="en-US" dirty="0" smtClean="0"/>
-              <a:t>How to use it</a:t>
-            </a:r>
-            <a:endParaRPr lang="en-US" dirty="0"/>
-          </a:p>
-        </p:txBody>
-      </p:sp>
-      <p:sp>
-        <p:nvSpPr>
-          <p:cNvPr id="3" name="Content Placeholder 2"/>
-          <p:cNvSpPr>
-            <a:spLocks noGrp="1"/>
-          </p:cNvSpPr>
-          <p:nvPr>
-            <p:ph idx="1"/>
-          </p:nvPr>
-        </p:nvSpPr>
-        <p:spPr/>
-        <p:txBody>
-          <a:bodyPr/>
-          <a:lstStyle/>
-          <a:p>
-            <a:r>
-              <a:rPr lang="en-US" dirty="0" smtClean="0"/>
-              <a:t>As inspiration</a:t>
-            </a:r>
-          </a:p>
-          <a:p>
-            <a:r>
-              <a:rPr lang="en-US" dirty="0" smtClean="0"/>
-              <a:t>As discussion material</a:t>
-            </a:r>
-          </a:p>
-          <a:p>
-            <a:r>
-              <a:rPr lang="en-US" dirty="0" smtClean="0"/>
-              <a:t>As a sanity check for your </a:t>
-            </a:r>
-            <a:r>
-              <a:rPr lang="en-US" dirty="0" smtClean="0"/>
-              <a:t>project</a:t>
-            </a:r>
-          </a:p>
-          <a:p>
-            <a:r>
-              <a:rPr lang="en-US" dirty="0" smtClean="0"/>
-              <a:t>Make hidden costs visible</a:t>
-            </a:r>
-            <a:endParaRPr lang="en-US" dirty="0"/>
-          </a:p>
-        </p:txBody>
-      </p:sp>
-    </p:spTree>
-    <p:extLst>
-      <p:ext uri="{BB962C8B-B14F-4D97-AF65-F5344CB8AC3E}">
-        <p14:creationId xmlns:p14="http://schemas.microsoft.com/office/powerpoint/2010/main" val="1377678816"/>
-      </p:ext>
-    </p:extLst>
-  </p:cSld>
-  <p:clrMapOvr>
-    <a:masterClrMapping/>
-  </p:clrMapOvr>
-  <p:timing>
-    <p:tnLst>
-      <p:par>
-        <p:cTn xmlns:p14="http://schemas.microsoft.com/office/powerpoint/2010/main" id="1" dur="indefinite" restart="never" nodeType="tmRoot"/>
-      </p:par>
-    </p:tnLst>
-  </p:timing>
-</p:sld>
-</file>
-
-<file path=ppt/slides/slide6.xml><?xml version="1.0" encoding="utf-8"?>
 <p:sld xmlns:a="http://schemas.openxmlformats.org/drawingml/2006/main" xmlns:r="http://schemas.openxmlformats.org/officeDocument/2006/relationships" xmlns:p="http://schemas.openxmlformats.org/presentationml/2006/main">
   <p:cSld>
     <p:spTree>
